--- a/소켓프로그래밍-3.pptx
+++ b/소켓프로그래밍-3.pptx
@@ -19,18 +19,20 @@
     <p:sldId id="270" r:id="rId13"/>
     <p:sldId id="263" r:id="rId14"/>
     <p:sldId id="274" r:id="rId15"/>
-    <p:sldId id="264" r:id="rId16"/>
-    <p:sldId id="278" r:id="rId17"/>
-    <p:sldId id="279" r:id="rId18"/>
-    <p:sldId id="281" r:id="rId19"/>
-    <p:sldId id="282" r:id="rId20"/>
-    <p:sldId id="280" r:id="rId21"/>
-    <p:sldId id="275" r:id="rId22"/>
-    <p:sldId id="283" r:id="rId23"/>
-    <p:sldId id="284" r:id="rId24"/>
-    <p:sldId id="286" r:id="rId25"/>
-    <p:sldId id="285" r:id="rId26"/>
-    <p:sldId id="268" r:id="rId27"/>
+    <p:sldId id="287" r:id="rId16"/>
+    <p:sldId id="264" r:id="rId17"/>
+    <p:sldId id="278" r:id="rId18"/>
+    <p:sldId id="279" r:id="rId19"/>
+    <p:sldId id="281" r:id="rId20"/>
+    <p:sldId id="282" r:id="rId21"/>
+    <p:sldId id="280" r:id="rId22"/>
+    <p:sldId id="275" r:id="rId23"/>
+    <p:sldId id="283" r:id="rId24"/>
+    <p:sldId id="284" r:id="rId25"/>
+    <p:sldId id="286" r:id="rId26"/>
+    <p:sldId id="288" r:id="rId27"/>
+    <p:sldId id="285" r:id="rId28"/>
+    <p:sldId id="268" r:id="rId29"/>
   </p:sldIdLst>
   <p:sldSz cx="12192000" cy="6858000"/>
   <p:notesSz cx="6858000" cy="9144000"/>
@@ -129,6 +131,11 @@
       </a:defRPr>
     </a:lvl9pPr>
   </p:defaultTextStyle>
+  <p:extLst>
+    <p:ext uri="{EFAFB233-063F-42B5-8137-9DF3F51BA10A}">
+      <p15:sldGuideLst xmlns:p15="http://schemas.microsoft.com/office/powerpoint/2012/main"/>
+    </p:ext>
+  </p:extLst>
 </p:presentation>
 </file>
 
@@ -5172,50 +5179,10 @@
       </p:grpSpPr>
       <p:sp>
         <p:nvSpPr>
-          <p:cNvPr id="2" name="제목 1">
-            <a:extLst>
-              <a:ext uri="{FF2B5EF4-FFF2-40B4-BE49-F238E27FC236}">
-                <a16:creationId xmlns:a16="http://schemas.microsoft.com/office/drawing/2014/main" id="{1C653085-E151-445A-A66A-F6D4AF1E289C}"/>
-              </a:ext>
-            </a:extLst>
-          </p:cNvPr>
-          <p:cNvSpPr>
-            <a:spLocks noGrp="1"/>
-          </p:cNvSpPr>
-          <p:nvPr>
-            <p:ph type="title"/>
-          </p:nvPr>
-        </p:nvSpPr>
-        <p:spPr/>
-        <p:txBody>
-          <a:bodyPr/>
-          <a:lstStyle/>
-          <a:p>
-            <a:r>
-              <a:rPr lang="en-US" altLang="ko-KR" dirty="0"/>
-              <a:t>2. TCP</a:t>
-            </a:r>
-            <a:r>
-              <a:rPr lang="ko-KR" altLang="en-US" dirty="0"/>
-              <a:t>기반 서버</a:t>
-            </a:r>
-            <a:r>
-              <a:rPr lang="en-US" altLang="ko-KR" dirty="0"/>
-              <a:t>, </a:t>
-            </a:r>
-            <a:r>
-              <a:rPr lang="ko-KR" altLang="en-US" dirty="0"/>
-              <a:t>클라이언트의 구현</a:t>
-            </a:r>
-          </a:p>
-        </p:txBody>
-      </p:sp>
-      <p:sp>
-        <p:nvSpPr>
           <p:cNvPr id="3" name="내용 개체 틀 2">
             <a:extLst>
               <a:ext uri="{FF2B5EF4-FFF2-40B4-BE49-F238E27FC236}">
-                <a16:creationId xmlns:a16="http://schemas.microsoft.com/office/drawing/2014/main" id="{4144B86A-7E78-44DD-B81C-A8CA2FAB0CF4}"/>
+                <a16:creationId xmlns:a16="http://schemas.microsoft.com/office/drawing/2014/main" id="{04A2FC8E-623A-4D86-B43E-37B8054248EC}"/>
               </a:ext>
             </a:extLst>
           </p:cNvPr>
@@ -5226,41 +5193,95 @@
             <p:ph idx="1"/>
           </p:nvPr>
         </p:nvSpPr>
-        <p:spPr>
-          <a:xfrm>
-            <a:off x="838200" y="1825625"/>
-            <a:ext cx="4436165" cy="4351338"/>
-          </a:xfrm>
-        </p:spPr>
+        <p:spPr/>
         <p:txBody>
           <a:bodyPr/>
           <a:lstStyle/>
           <a:p>
             <a:r>
               <a:rPr lang="en-US" altLang="ko-KR" dirty="0"/>
-              <a:t>Echo </a:t>
-            </a:r>
-            <a:r>
-              <a:rPr lang="ko-KR" altLang="en-US" dirty="0"/>
-              <a:t>서버 </a:t>
-            </a:r>
-            <a:r>
-              <a:rPr lang="en-US" altLang="ko-KR" dirty="0"/>
-              <a:t>- </a:t>
-            </a:r>
-            <a:r>
-              <a:rPr lang="ko-KR" altLang="en-US" dirty="0"/>
-              <a:t>소스 코드</a:t>
-            </a:r>
+              <a:t>Echo</a:t>
+            </a:r>
+            <a:r>
+              <a:rPr lang="ko-KR" altLang="en-US" dirty="0"/>
+              <a:t> 서버 구현</a:t>
+            </a:r>
+          </a:p>
+        </p:txBody>
+      </p:sp>
+      <p:sp>
+        <p:nvSpPr>
+          <p:cNvPr id="4" name="제목 1">
+            <a:extLst>
+              <a:ext uri="{FF2B5EF4-FFF2-40B4-BE49-F238E27FC236}">
+                <a16:creationId xmlns:a16="http://schemas.microsoft.com/office/drawing/2014/main" id="{584ECF16-C9B6-4852-BFF2-D4B01977D294}"/>
+              </a:ext>
+            </a:extLst>
+          </p:cNvPr>
+          <p:cNvSpPr txBox="1">
+            <a:spLocks/>
+          </p:cNvSpPr>
+          <p:nvPr/>
+        </p:nvSpPr>
+        <p:spPr>
+          <a:xfrm>
+            <a:off x="838200" y="365125"/>
+            <a:ext cx="10515600" cy="1325563"/>
+          </a:xfrm>
+          <a:prstGeom prst="rect">
+            <a:avLst/>
+          </a:prstGeom>
+        </p:spPr>
+        <p:txBody>
+          <a:bodyPr vert="horz" lIns="91440" tIns="45720" rIns="91440" bIns="45720" rtlCol="0" anchor="ctr">
+            <a:normAutofit/>
+          </a:bodyPr>
+          <a:lstStyle>
+            <a:lvl1pPr algn="l" defTabSz="914400" rtl="0" eaLnBrk="1" latinLnBrk="1" hangingPunct="1">
+              <a:lnSpc>
+                <a:spcPct val="90000"/>
+              </a:lnSpc>
+              <a:spcBef>
+                <a:spcPct val="0"/>
+              </a:spcBef>
+              <a:buNone/>
+              <a:defRPr sz="4400" kern="1200">
+                <a:solidFill>
+                  <a:schemeClr val="tx1"/>
+                </a:solidFill>
+                <a:latin typeface="+mj-lt"/>
+                <a:ea typeface="+mj-ea"/>
+                <a:cs typeface="+mj-cs"/>
+              </a:defRPr>
+            </a:lvl1pPr>
+          </a:lstStyle>
+          <a:p>
+            <a:r>
+              <a:rPr lang="en-US" altLang="ko-KR"/>
+              <a:t>2. TCP</a:t>
+            </a:r>
+            <a:r>
+              <a:rPr lang="ko-KR" altLang="en-US"/>
+              <a:t>기반 서버</a:t>
+            </a:r>
+            <a:r>
+              <a:rPr lang="en-US" altLang="ko-KR"/>
+              <a:t>, </a:t>
+            </a:r>
+            <a:r>
+              <a:rPr lang="ko-KR" altLang="en-US"/>
+              <a:t>클라이언트의 구현</a:t>
+            </a:r>
+            <a:endParaRPr lang="ko-KR" altLang="en-US" dirty="0"/>
           </a:p>
         </p:txBody>
       </p:sp>
       <p:cxnSp>
         <p:nvCxnSpPr>
-          <p:cNvPr id="4" name="직선 화살표 연결선 3">
-            <a:extLst>
-              <a:ext uri="{FF2B5EF4-FFF2-40B4-BE49-F238E27FC236}">
-                <a16:creationId xmlns:a16="http://schemas.microsoft.com/office/drawing/2014/main" id="{75495BE3-58D0-47C3-9D3D-E3D404D7FC9E}"/>
+          <p:cNvPr id="5" name="직선 화살표 연결선 4">
+            <a:extLst>
+              <a:ext uri="{FF2B5EF4-FFF2-40B4-BE49-F238E27FC236}">
+                <a16:creationId xmlns:a16="http://schemas.microsoft.com/office/drawing/2014/main" id="{17D9A54B-FE9F-4FBC-8307-8D823FD65192}"/>
               </a:ext>
             </a:extLst>
           </p:cNvPr>
@@ -5304,10 +5325,10 @@
       </p:cxnSp>
       <p:cxnSp>
         <p:nvCxnSpPr>
-          <p:cNvPr id="5" name="직선 연결선 4">
-            <a:extLst>
-              <a:ext uri="{FF2B5EF4-FFF2-40B4-BE49-F238E27FC236}">
-                <a16:creationId xmlns:a16="http://schemas.microsoft.com/office/drawing/2014/main" id="{3B5F5C8C-B83F-4937-AC53-8392D67E9750}"/>
+          <p:cNvPr id="6" name="직선 연결선 5">
+            <a:extLst>
+              <a:ext uri="{FF2B5EF4-FFF2-40B4-BE49-F238E27FC236}">
+                <a16:creationId xmlns:a16="http://schemas.microsoft.com/office/drawing/2014/main" id="{BCC2569C-4612-4B01-8AFB-EBEB554582A0}"/>
               </a:ext>
             </a:extLst>
           </p:cNvPr>
@@ -5348,58 +5369,12 @@
           </a:fontRef>
         </p:style>
       </p:cxnSp>
-      <p:cxnSp>
-        <p:nvCxnSpPr>
-          <p:cNvPr id="6" name="직선 연결선 5">
-            <a:extLst>
-              <a:ext uri="{FF2B5EF4-FFF2-40B4-BE49-F238E27FC236}">
-                <a16:creationId xmlns:a16="http://schemas.microsoft.com/office/drawing/2014/main" id="{CB457062-43E3-41AE-8924-AF10F46060C8}"/>
-              </a:ext>
-            </a:extLst>
-          </p:cNvPr>
-          <p:cNvCxnSpPr>
-            <a:cxnSpLocks/>
-          </p:cNvCxnSpPr>
-          <p:nvPr/>
-        </p:nvCxnSpPr>
-        <p:spPr>
-          <a:xfrm>
-            <a:off x="11386931" y="728870"/>
-            <a:ext cx="0" cy="1606963"/>
-          </a:xfrm>
-          <a:prstGeom prst="line">
-            <a:avLst/>
-          </a:prstGeom>
-          <a:ln w="38100">
-            <a:solidFill>
-              <a:schemeClr val="accent5">
-                <a:lumMod val="40000"/>
-                <a:lumOff val="60000"/>
-              </a:schemeClr>
-            </a:solidFill>
-          </a:ln>
-        </p:spPr>
-        <p:style>
-          <a:lnRef idx="1">
-            <a:schemeClr val="accent1"/>
-          </a:lnRef>
-          <a:fillRef idx="0">
-            <a:schemeClr val="accent1"/>
-          </a:fillRef>
-          <a:effectRef idx="0">
-            <a:schemeClr val="accent1"/>
-          </a:effectRef>
-          <a:fontRef idx="minor">
-            <a:schemeClr val="tx1"/>
-          </a:fontRef>
-        </p:style>
-      </p:cxnSp>
       <p:pic>
         <p:nvPicPr>
-          <p:cNvPr id="8" name="그림 7">
-            <a:extLst>
-              <a:ext uri="{FF2B5EF4-FFF2-40B4-BE49-F238E27FC236}">
-                <a16:creationId xmlns:a16="http://schemas.microsoft.com/office/drawing/2014/main" id="{AEA1B9EF-1CA3-4101-AFD6-F06BACB7406D}"/>
+          <p:cNvPr id="7" name="그림 6">
+            <a:extLst>
+              <a:ext uri="{FF2B5EF4-FFF2-40B4-BE49-F238E27FC236}">
+                <a16:creationId xmlns:a16="http://schemas.microsoft.com/office/drawing/2014/main" id="{BFEA7391-D92C-4847-92F2-1BEC2B7498A2}"/>
               </a:ext>
             </a:extLst>
           </p:cNvPr>
@@ -5416,8 +5391,38 @@
         </p:blipFill>
         <p:spPr>
           <a:xfrm>
-            <a:off x="1065972" y="2335834"/>
-            <a:ext cx="6235972" cy="4422314"/>
+            <a:off x="3750785" y="1369412"/>
+            <a:ext cx="2477737" cy="5263764"/>
+          </a:xfrm>
+          <a:prstGeom prst="rect">
+            <a:avLst/>
+          </a:prstGeom>
+        </p:spPr>
+      </p:pic>
+      <p:pic>
+        <p:nvPicPr>
+          <p:cNvPr id="8" name="그림 7">
+            <a:extLst>
+              <a:ext uri="{FF2B5EF4-FFF2-40B4-BE49-F238E27FC236}">
+                <a16:creationId xmlns:a16="http://schemas.microsoft.com/office/drawing/2014/main" id="{421905F3-3532-49B8-92A0-3651809EF86D}"/>
+              </a:ext>
+            </a:extLst>
+          </p:cNvPr>
+          <p:cNvPicPr>
+            <a:picLocks noChangeAspect="1"/>
+          </p:cNvPicPr>
+          <p:nvPr/>
+        </p:nvPicPr>
+        <p:blipFill>
+          <a:blip r:embed="rId3"/>
+          <a:stretch>
+            <a:fillRect/>
+          </a:stretch>
+        </p:blipFill>
+        <p:spPr>
+          <a:xfrm>
+            <a:off x="6427308" y="2366340"/>
+            <a:ext cx="5619750" cy="1062655"/>
           </a:xfrm>
           <a:prstGeom prst="rect">
             <a:avLst/>
@@ -5427,7 +5432,7 @@
     </p:spTree>
     <p:extLst>
       <p:ext uri="{BB962C8B-B14F-4D97-AF65-F5344CB8AC3E}">
-        <p14:creationId xmlns:p14="http://schemas.microsoft.com/office/powerpoint/2010/main" val="102580218"/>
+        <p14:creationId xmlns:p14="http://schemas.microsoft.com/office/powerpoint/2010/main" val="2501232609"/>
       </p:ext>
     </p:extLst>
   </p:cSld>
@@ -5680,10 +5685,10 @@
       </p:cxnSp>
       <p:pic>
         <p:nvPicPr>
-          <p:cNvPr id="9" name="그림 8">
-            <a:extLst>
-              <a:ext uri="{FF2B5EF4-FFF2-40B4-BE49-F238E27FC236}">
-                <a16:creationId xmlns:a16="http://schemas.microsoft.com/office/drawing/2014/main" id="{F6EBB9A1-ED75-4297-A7DD-F260F0A64EBD}"/>
+          <p:cNvPr id="8" name="그림 7">
+            <a:extLst>
+              <a:ext uri="{FF2B5EF4-FFF2-40B4-BE49-F238E27FC236}">
+                <a16:creationId xmlns:a16="http://schemas.microsoft.com/office/drawing/2014/main" id="{AEA1B9EF-1CA3-4101-AFD6-F06BACB7406D}"/>
               </a:ext>
             </a:extLst>
           </p:cNvPr>
@@ -5700,8 +5705,8 @@
         </p:blipFill>
         <p:spPr>
           <a:xfrm>
-            <a:off x="1139690" y="2385390"/>
-            <a:ext cx="9806602" cy="3506271"/>
+            <a:off x="1065972" y="2335834"/>
+            <a:ext cx="6235972" cy="4422314"/>
           </a:xfrm>
           <a:prstGeom prst="rect">
             <a:avLst/>
@@ -5711,7 +5716,7 @@
     </p:spTree>
     <p:extLst>
       <p:ext uri="{BB962C8B-B14F-4D97-AF65-F5344CB8AC3E}">
-        <p14:creationId xmlns:p14="http://schemas.microsoft.com/office/powerpoint/2010/main" val="2576063244"/>
+        <p14:creationId xmlns:p14="http://schemas.microsoft.com/office/powerpoint/2010/main" val="102580218"/>
       </p:ext>
     </p:extLst>
   </p:cSld>
@@ -5964,10 +5969,10 @@
       </p:cxnSp>
       <p:pic>
         <p:nvPicPr>
-          <p:cNvPr id="7" name="그림 6">
-            <a:extLst>
-              <a:ext uri="{FF2B5EF4-FFF2-40B4-BE49-F238E27FC236}">
-                <a16:creationId xmlns:a16="http://schemas.microsoft.com/office/drawing/2014/main" id="{4AEFC089-07E3-4EEF-A720-7903A7334F08}"/>
+          <p:cNvPr id="9" name="그림 8">
+            <a:extLst>
+              <a:ext uri="{FF2B5EF4-FFF2-40B4-BE49-F238E27FC236}">
+                <a16:creationId xmlns:a16="http://schemas.microsoft.com/office/drawing/2014/main" id="{F6EBB9A1-ED75-4297-A7DD-F260F0A64EBD}"/>
               </a:ext>
             </a:extLst>
           </p:cNvPr>
@@ -5984,8 +5989,8 @@
         </p:blipFill>
         <p:spPr>
           <a:xfrm>
-            <a:off x="1139690" y="2501625"/>
-            <a:ext cx="9965980" cy="3846157"/>
+            <a:off x="1139690" y="2385390"/>
+            <a:ext cx="9806602" cy="3506271"/>
           </a:xfrm>
           <a:prstGeom prst="rect">
             <a:avLst/>
@@ -5995,7 +6000,7 @@
     </p:spTree>
     <p:extLst>
       <p:ext uri="{BB962C8B-B14F-4D97-AF65-F5344CB8AC3E}">
-        <p14:creationId xmlns:p14="http://schemas.microsoft.com/office/powerpoint/2010/main" val="195796722"/>
+        <p14:creationId xmlns:p14="http://schemas.microsoft.com/office/powerpoint/2010/main" val="2576063244"/>
       </p:ext>
     </p:extLst>
   </p:cSld>
@@ -6251,7 +6256,7 @@
           <p:cNvPr id="7" name="그림 6">
             <a:extLst>
               <a:ext uri="{FF2B5EF4-FFF2-40B4-BE49-F238E27FC236}">
-                <a16:creationId xmlns:a16="http://schemas.microsoft.com/office/drawing/2014/main" id="{3FF92EE3-3AF7-4B32-AC0E-E70F3CF57528}"/>
+                <a16:creationId xmlns:a16="http://schemas.microsoft.com/office/drawing/2014/main" id="{4AEFC089-07E3-4EEF-A720-7903A7334F08}"/>
               </a:ext>
             </a:extLst>
           </p:cNvPr>
@@ -6268,8 +6273,8 @@
         </p:blipFill>
         <p:spPr>
           <a:xfrm>
-            <a:off x="1394169" y="2501626"/>
-            <a:ext cx="8319674" cy="3820071"/>
+            <a:off x="1139690" y="2501625"/>
+            <a:ext cx="9965980" cy="3846157"/>
           </a:xfrm>
           <a:prstGeom prst="rect">
             <a:avLst/>
@@ -6279,7 +6284,7 @@
     </p:spTree>
     <p:extLst>
       <p:ext uri="{BB962C8B-B14F-4D97-AF65-F5344CB8AC3E}">
-        <p14:creationId xmlns:p14="http://schemas.microsoft.com/office/powerpoint/2010/main" val="4040169818"/>
+        <p14:creationId xmlns:p14="http://schemas.microsoft.com/office/powerpoint/2010/main" val="195796722"/>
       </p:ext>
     </p:extLst>
   </p:cSld>
@@ -6535,7 +6540,7 @@
           <p:cNvPr id="7" name="그림 6">
             <a:extLst>
               <a:ext uri="{FF2B5EF4-FFF2-40B4-BE49-F238E27FC236}">
-                <a16:creationId xmlns:a16="http://schemas.microsoft.com/office/drawing/2014/main" id="{AEEC9AA3-F0DB-4C52-9B3A-0B5DCA32AA11}"/>
+                <a16:creationId xmlns:a16="http://schemas.microsoft.com/office/drawing/2014/main" id="{3FF92EE3-3AF7-4B32-AC0E-E70F3CF57528}"/>
               </a:ext>
             </a:extLst>
           </p:cNvPr>
@@ -6552,8 +6557,8 @@
         </p:blipFill>
         <p:spPr>
           <a:xfrm>
-            <a:off x="1139690" y="2335833"/>
-            <a:ext cx="10018640" cy="4422103"/>
+            <a:off x="1394169" y="2501626"/>
+            <a:ext cx="8319674" cy="3820071"/>
           </a:xfrm>
           <a:prstGeom prst="rect">
             <a:avLst/>
@@ -6563,7 +6568,7 @@
     </p:spTree>
     <p:extLst>
       <p:ext uri="{BB962C8B-B14F-4D97-AF65-F5344CB8AC3E}">
-        <p14:creationId xmlns:p14="http://schemas.microsoft.com/office/powerpoint/2010/main" val="3008436895"/>
+        <p14:creationId xmlns:p14="http://schemas.microsoft.com/office/powerpoint/2010/main" val="4040169818"/>
       </p:ext>
     </p:extLst>
   </p:cSld>
@@ -7150,7 +7155,7 @@
           <p:cNvPr id="7" name="그림 6">
             <a:extLst>
               <a:ext uri="{FF2B5EF4-FFF2-40B4-BE49-F238E27FC236}">
-                <a16:creationId xmlns:a16="http://schemas.microsoft.com/office/drawing/2014/main" id="{72A599E5-7CF3-479D-9B22-BA9042D0B459}"/>
+                <a16:creationId xmlns:a16="http://schemas.microsoft.com/office/drawing/2014/main" id="{AEEC9AA3-F0DB-4C52-9B3A-0B5DCA32AA11}"/>
               </a:ext>
             </a:extLst>
           </p:cNvPr>
@@ -7167,8 +7172,8 @@
         </p:blipFill>
         <p:spPr>
           <a:xfrm>
-            <a:off x="1139690" y="2716213"/>
-            <a:ext cx="4134675" cy="1372506"/>
+            <a:off x="1139690" y="2335833"/>
+            <a:ext cx="10018640" cy="4422103"/>
           </a:xfrm>
           <a:prstGeom prst="rect">
             <a:avLst/>
@@ -7178,7 +7183,7 @@
     </p:spTree>
     <p:extLst>
       <p:ext uri="{BB962C8B-B14F-4D97-AF65-F5344CB8AC3E}">
-        <p14:creationId xmlns:p14="http://schemas.microsoft.com/office/powerpoint/2010/main" val="3698995865"/>
+        <p14:creationId xmlns:p14="http://schemas.microsoft.com/office/powerpoint/2010/main" val="3008436895"/>
       </p:ext>
     </p:extLst>
   </p:cSld>
@@ -7261,7 +7266,12 @@
             <p:ph idx="1"/>
           </p:nvPr>
         </p:nvSpPr>
-        <p:spPr/>
+        <p:spPr>
+          <a:xfrm>
+            <a:off x="838200" y="1825625"/>
+            <a:ext cx="4436165" cy="4351338"/>
+          </a:xfrm>
+        </p:spPr>
         <p:txBody>
           <a:bodyPr/>
           <a:lstStyle/>
@@ -7272,11 +7282,11 @@
             </a:r>
             <a:r>
               <a:rPr lang="ko-KR" altLang="en-US" dirty="0"/>
-              <a:t>클라이언트 </a:t>
+              <a:t>서버 </a:t>
             </a:r>
             <a:r>
               <a:rPr lang="en-US" altLang="ko-KR" dirty="0"/>
-              <a:t>– </a:t>
+              <a:t>- </a:t>
             </a:r>
             <a:r>
               <a:rPr lang="ko-KR" altLang="en-US" dirty="0"/>
@@ -7429,7 +7439,7 @@
           <p:cNvPr id="7" name="그림 6">
             <a:extLst>
               <a:ext uri="{FF2B5EF4-FFF2-40B4-BE49-F238E27FC236}">
-                <a16:creationId xmlns:a16="http://schemas.microsoft.com/office/drawing/2014/main" id="{4B7E27B4-4B64-47D8-873D-1946D873F11F}"/>
+                <a16:creationId xmlns:a16="http://schemas.microsoft.com/office/drawing/2014/main" id="{72A599E5-7CF3-479D-9B22-BA9042D0B459}"/>
               </a:ext>
             </a:extLst>
           </p:cNvPr>
@@ -7446,8 +7456,8 @@
         </p:blipFill>
         <p:spPr>
           <a:xfrm>
-            <a:off x="1139690" y="2335832"/>
-            <a:ext cx="4956310" cy="4351337"/>
+            <a:off x="1139690" y="2716213"/>
+            <a:ext cx="4134675" cy="1372506"/>
           </a:xfrm>
           <a:prstGeom prst="rect">
             <a:avLst/>
@@ -7457,7 +7467,7 @@
     </p:spTree>
     <p:extLst>
       <p:ext uri="{BB962C8B-B14F-4D97-AF65-F5344CB8AC3E}">
-        <p14:creationId xmlns:p14="http://schemas.microsoft.com/office/powerpoint/2010/main" val="577725898"/>
+        <p14:creationId xmlns:p14="http://schemas.microsoft.com/office/powerpoint/2010/main" val="3698995865"/>
       </p:ext>
     </p:extLst>
   </p:cSld>
@@ -7708,7 +7718,7 @@
           <p:cNvPr id="7" name="그림 6">
             <a:extLst>
               <a:ext uri="{FF2B5EF4-FFF2-40B4-BE49-F238E27FC236}">
-                <a16:creationId xmlns:a16="http://schemas.microsoft.com/office/drawing/2014/main" id="{E2F3D6A5-A173-4F82-9D22-FDB2FC7FE84E}"/>
+                <a16:creationId xmlns:a16="http://schemas.microsoft.com/office/drawing/2014/main" id="{4B7E27B4-4B64-47D8-873D-1946D873F11F}"/>
               </a:ext>
             </a:extLst>
           </p:cNvPr>
@@ -7725,8 +7735,8 @@
         </p:blipFill>
         <p:spPr>
           <a:xfrm>
-            <a:off x="1808923" y="2501626"/>
-            <a:ext cx="8574153" cy="3740402"/>
+            <a:off x="1139690" y="2335832"/>
+            <a:ext cx="4956310" cy="4351337"/>
           </a:xfrm>
           <a:prstGeom prst="rect">
             <a:avLst/>
@@ -7736,7 +7746,7 @@
     </p:spTree>
     <p:extLst>
       <p:ext uri="{BB962C8B-B14F-4D97-AF65-F5344CB8AC3E}">
-        <p14:creationId xmlns:p14="http://schemas.microsoft.com/office/powerpoint/2010/main" val="424430249"/>
+        <p14:creationId xmlns:p14="http://schemas.microsoft.com/office/powerpoint/2010/main" val="577725898"/>
       </p:ext>
     </p:extLst>
   </p:cSld>
@@ -7987,7 +7997,7 @@
           <p:cNvPr id="7" name="그림 6">
             <a:extLst>
               <a:ext uri="{FF2B5EF4-FFF2-40B4-BE49-F238E27FC236}">
-                <a16:creationId xmlns:a16="http://schemas.microsoft.com/office/drawing/2014/main" id="{F6DA09EB-65BA-48B1-B537-632914C27AF3}"/>
+                <a16:creationId xmlns:a16="http://schemas.microsoft.com/office/drawing/2014/main" id="{E2F3D6A5-A173-4F82-9D22-FDB2FC7FE84E}"/>
               </a:ext>
             </a:extLst>
           </p:cNvPr>
@@ -8004,8 +8014,8 @@
         </p:blipFill>
         <p:spPr>
           <a:xfrm>
-            <a:off x="838200" y="2501626"/>
-            <a:ext cx="10816027" cy="2292618"/>
+            <a:off x="1808923" y="2501626"/>
+            <a:ext cx="8574153" cy="3740402"/>
           </a:xfrm>
           <a:prstGeom prst="rect">
             <a:avLst/>
@@ -8015,7 +8025,7 @@
     </p:spTree>
     <p:extLst>
       <p:ext uri="{BB962C8B-B14F-4D97-AF65-F5344CB8AC3E}">
-        <p14:creationId xmlns:p14="http://schemas.microsoft.com/office/powerpoint/2010/main" val="761273385"/>
+        <p14:creationId xmlns:p14="http://schemas.microsoft.com/office/powerpoint/2010/main" val="424430249"/>
       </p:ext>
     </p:extLst>
   </p:cSld>
@@ -8266,7 +8276,7 @@
           <p:cNvPr id="7" name="그림 6">
             <a:extLst>
               <a:ext uri="{FF2B5EF4-FFF2-40B4-BE49-F238E27FC236}">
-                <a16:creationId xmlns:a16="http://schemas.microsoft.com/office/drawing/2014/main" id="{DDF692F0-EB59-4153-BDBB-B53717692853}"/>
+                <a16:creationId xmlns:a16="http://schemas.microsoft.com/office/drawing/2014/main" id="{F6DA09EB-65BA-48B1-B537-632914C27AF3}"/>
               </a:ext>
             </a:extLst>
           </p:cNvPr>
@@ -8283,8 +8293,8 @@
         </p:blipFill>
         <p:spPr>
           <a:xfrm>
-            <a:off x="1139690" y="2501625"/>
-            <a:ext cx="9745668" cy="3675337"/>
+            <a:off x="838200" y="2501626"/>
+            <a:ext cx="10816027" cy="2292618"/>
           </a:xfrm>
           <a:prstGeom prst="rect">
             <a:avLst/>
@@ -8294,7 +8304,7 @@
     </p:spTree>
     <p:extLst>
       <p:ext uri="{BB962C8B-B14F-4D97-AF65-F5344CB8AC3E}">
-        <p14:creationId xmlns:p14="http://schemas.microsoft.com/office/powerpoint/2010/main" val="152249591"/>
+        <p14:creationId xmlns:p14="http://schemas.microsoft.com/office/powerpoint/2010/main" val="761273385"/>
       </p:ext>
     </p:extLst>
   </p:cSld>
@@ -8388,6 +8398,544 @@
             </a:r>
             <a:r>
               <a:rPr lang="ko-KR" altLang="en-US" dirty="0"/>
+              <a:t>클라이언트 </a:t>
+            </a:r>
+            <a:r>
+              <a:rPr lang="en-US" altLang="ko-KR" dirty="0"/>
+              <a:t>– </a:t>
+            </a:r>
+            <a:r>
+              <a:rPr lang="ko-KR" altLang="en-US" dirty="0"/>
+              <a:t>소스 코드</a:t>
+            </a:r>
+          </a:p>
+        </p:txBody>
+      </p:sp>
+      <p:cxnSp>
+        <p:nvCxnSpPr>
+          <p:cNvPr id="4" name="직선 화살표 연결선 3">
+            <a:extLst>
+              <a:ext uri="{FF2B5EF4-FFF2-40B4-BE49-F238E27FC236}">
+                <a16:creationId xmlns:a16="http://schemas.microsoft.com/office/drawing/2014/main" id="{75495BE3-58D0-47C3-9D3D-E3D404D7FC9E}"/>
+              </a:ext>
+            </a:extLst>
+          </p:cNvPr>
+          <p:cNvCxnSpPr>
+            <a:cxnSpLocks/>
+          </p:cNvCxnSpPr>
+          <p:nvPr/>
+        </p:nvCxnSpPr>
+        <p:spPr>
+          <a:xfrm>
+            <a:off x="344557" y="1754395"/>
+            <a:ext cx="11370365" cy="0"/>
+          </a:xfrm>
+          <a:prstGeom prst="straightConnector1">
+            <a:avLst/>
+          </a:prstGeom>
+          <a:ln w="38100">
+            <a:solidFill>
+              <a:schemeClr val="accent6">
+                <a:lumMod val="75000"/>
+              </a:schemeClr>
+            </a:solidFill>
+            <a:headEnd type="none" w="med" len="med"/>
+            <a:tailEnd type="none" w="med" len="med"/>
+          </a:ln>
+        </p:spPr>
+        <p:style>
+          <a:lnRef idx="1">
+            <a:schemeClr val="accent1"/>
+          </a:lnRef>
+          <a:fillRef idx="0">
+            <a:schemeClr val="accent1"/>
+          </a:fillRef>
+          <a:effectRef idx="0">
+            <a:schemeClr val="accent1"/>
+          </a:effectRef>
+          <a:fontRef idx="minor">
+            <a:schemeClr val="tx1"/>
+          </a:fontRef>
+        </p:style>
+      </p:cxnSp>
+      <p:cxnSp>
+        <p:nvCxnSpPr>
+          <p:cNvPr id="5" name="직선 연결선 4">
+            <a:extLst>
+              <a:ext uri="{FF2B5EF4-FFF2-40B4-BE49-F238E27FC236}">
+                <a16:creationId xmlns:a16="http://schemas.microsoft.com/office/drawing/2014/main" id="{3B5F5C8C-B83F-4937-AC53-8392D67E9750}"/>
+              </a:ext>
+            </a:extLst>
+          </p:cNvPr>
+          <p:cNvCxnSpPr>
+            <a:cxnSpLocks/>
+          </p:cNvCxnSpPr>
+          <p:nvPr/>
+        </p:nvCxnSpPr>
+        <p:spPr>
+          <a:xfrm>
+            <a:off x="742123" y="1007165"/>
+            <a:ext cx="0" cy="2292626"/>
+          </a:xfrm>
+          <a:prstGeom prst="line">
+            <a:avLst/>
+          </a:prstGeom>
+          <a:ln w="38100">
+            <a:solidFill>
+              <a:schemeClr val="accent5">
+                <a:lumMod val="40000"/>
+                <a:lumOff val="60000"/>
+              </a:schemeClr>
+            </a:solidFill>
+          </a:ln>
+        </p:spPr>
+        <p:style>
+          <a:lnRef idx="1">
+            <a:schemeClr val="accent1"/>
+          </a:lnRef>
+          <a:fillRef idx="0">
+            <a:schemeClr val="accent1"/>
+          </a:fillRef>
+          <a:effectRef idx="0">
+            <a:schemeClr val="accent1"/>
+          </a:effectRef>
+          <a:fontRef idx="minor">
+            <a:schemeClr val="tx1"/>
+          </a:fontRef>
+        </p:style>
+      </p:cxnSp>
+      <p:cxnSp>
+        <p:nvCxnSpPr>
+          <p:cNvPr id="6" name="직선 연결선 5">
+            <a:extLst>
+              <a:ext uri="{FF2B5EF4-FFF2-40B4-BE49-F238E27FC236}">
+                <a16:creationId xmlns:a16="http://schemas.microsoft.com/office/drawing/2014/main" id="{CB457062-43E3-41AE-8924-AF10F46060C8}"/>
+              </a:ext>
+            </a:extLst>
+          </p:cNvPr>
+          <p:cNvCxnSpPr>
+            <a:cxnSpLocks/>
+          </p:cNvCxnSpPr>
+          <p:nvPr/>
+        </p:nvCxnSpPr>
+        <p:spPr>
+          <a:xfrm>
+            <a:off x="11386931" y="728870"/>
+            <a:ext cx="0" cy="1606963"/>
+          </a:xfrm>
+          <a:prstGeom prst="line">
+            <a:avLst/>
+          </a:prstGeom>
+          <a:ln w="38100">
+            <a:solidFill>
+              <a:schemeClr val="accent5">
+                <a:lumMod val="40000"/>
+                <a:lumOff val="60000"/>
+              </a:schemeClr>
+            </a:solidFill>
+          </a:ln>
+        </p:spPr>
+        <p:style>
+          <a:lnRef idx="1">
+            <a:schemeClr val="accent1"/>
+          </a:lnRef>
+          <a:fillRef idx="0">
+            <a:schemeClr val="accent1"/>
+          </a:fillRef>
+          <a:effectRef idx="0">
+            <a:schemeClr val="accent1"/>
+          </a:effectRef>
+          <a:fontRef idx="minor">
+            <a:schemeClr val="tx1"/>
+          </a:fontRef>
+        </p:style>
+      </p:cxnSp>
+      <p:pic>
+        <p:nvPicPr>
+          <p:cNvPr id="7" name="그림 6">
+            <a:extLst>
+              <a:ext uri="{FF2B5EF4-FFF2-40B4-BE49-F238E27FC236}">
+                <a16:creationId xmlns:a16="http://schemas.microsoft.com/office/drawing/2014/main" id="{DDF692F0-EB59-4153-BDBB-B53717692853}"/>
+              </a:ext>
+            </a:extLst>
+          </p:cNvPr>
+          <p:cNvPicPr>
+            <a:picLocks noChangeAspect="1"/>
+          </p:cNvPicPr>
+          <p:nvPr/>
+        </p:nvPicPr>
+        <p:blipFill>
+          <a:blip r:embed="rId2"/>
+          <a:stretch>
+            <a:fillRect/>
+          </a:stretch>
+        </p:blipFill>
+        <p:spPr>
+          <a:xfrm>
+            <a:off x="1139690" y="2501625"/>
+            <a:ext cx="9745668" cy="3675337"/>
+          </a:xfrm>
+          <a:prstGeom prst="rect">
+            <a:avLst/>
+          </a:prstGeom>
+        </p:spPr>
+      </p:pic>
+    </p:spTree>
+    <p:extLst>
+      <p:ext uri="{BB962C8B-B14F-4D97-AF65-F5344CB8AC3E}">
+        <p14:creationId xmlns:p14="http://schemas.microsoft.com/office/powerpoint/2010/main" val="152249591"/>
+      </p:ext>
+    </p:extLst>
+  </p:cSld>
+  <p:clrMapOvr>
+    <a:masterClrMapping/>
+  </p:clrMapOvr>
+</p:sld>
+</file>
+
+<file path=ppt/slides/slide26.xml><?xml version="1.0" encoding="utf-8"?>
+<p:sld xmlns:a="http://schemas.openxmlformats.org/drawingml/2006/main" xmlns:r="http://schemas.openxmlformats.org/officeDocument/2006/relationships" xmlns:p="http://schemas.openxmlformats.org/presentationml/2006/main">
+  <p:cSld>
+    <p:spTree>
+      <p:nvGrpSpPr>
+        <p:cNvPr id="1" name=""/>
+        <p:cNvGrpSpPr/>
+        <p:nvPr/>
+      </p:nvGrpSpPr>
+      <p:grpSpPr>
+        <a:xfrm>
+          <a:off x="0" y="0"/>
+          <a:ext cx="0" cy="0"/>
+          <a:chOff x="0" y="0"/>
+          <a:chExt cx="0" cy="0"/>
+        </a:xfrm>
+      </p:grpSpPr>
+      <p:sp>
+        <p:nvSpPr>
+          <p:cNvPr id="2" name="제목 1">
+            <a:extLst>
+              <a:ext uri="{FF2B5EF4-FFF2-40B4-BE49-F238E27FC236}">
+                <a16:creationId xmlns:a16="http://schemas.microsoft.com/office/drawing/2014/main" id="{1C653085-E151-445A-A66A-F6D4AF1E289C}"/>
+              </a:ext>
+            </a:extLst>
+          </p:cNvPr>
+          <p:cNvSpPr>
+            <a:spLocks noGrp="1"/>
+          </p:cNvSpPr>
+          <p:nvPr>
+            <p:ph type="title"/>
+          </p:nvPr>
+        </p:nvSpPr>
+        <p:spPr/>
+        <p:txBody>
+          <a:bodyPr/>
+          <a:lstStyle/>
+          <a:p>
+            <a:r>
+              <a:rPr lang="ko-KR" altLang="en-US" dirty="0"/>
+              <a:t>실행 결과</a:t>
+            </a:r>
+          </a:p>
+        </p:txBody>
+      </p:sp>
+      <p:pic>
+        <p:nvPicPr>
+          <p:cNvPr id="7" name="내용 개체 틀 6">
+            <a:extLst>
+              <a:ext uri="{FF2B5EF4-FFF2-40B4-BE49-F238E27FC236}">
+                <a16:creationId xmlns:a16="http://schemas.microsoft.com/office/drawing/2014/main" id="{726CD8AF-A2E3-4F09-8D96-E2F038B02BD0}"/>
+              </a:ext>
+            </a:extLst>
+          </p:cNvPr>
+          <p:cNvPicPr>
+            <a:picLocks noGrp="1" noChangeAspect="1"/>
+          </p:cNvPicPr>
+          <p:nvPr>
+            <p:ph idx="1"/>
+          </p:nvPr>
+        </p:nvPicPr>
+        <p:blipFill>
+          <a:blip r:embed="rId2"/>
+          <a:stretch>
+            <a:fillRect/>
+          </a:stretch>
+        </p:blipFill>
+        <p:spPr>
+          <a:xfrm>
+            <a:off x="838200" y="1818103"/>
+            <a:ext cx="6660064" cy="2292599"/>
+          </a:xfrm>
+          <a:prstGeom prst="rect">
+            <a:avLst/>
+          </a:prstGeom>
+        </p:spPr>
+      </p:pic>
+      <p:cxnSp>
+        <p:nvCxnSpPr>
+          <p:cNvPr id="4" name="직선 화살표 연결선 3">
+            <a:extLst>
+              <a:ext uri="{FF2B5EF4-FFF2-40B4-BE49-F238E27FC236}">
+                <a16:creationId xmlns:a16="http://schemas.microsoft.com/office/drawing/2014/main" id="{75495BE3-58D0-47C3-9D3D-E3D404D7FC9E}"/>
+              </a:ext>
+            </a:extLst>
+          </p:cNvPr>
+          <p:cNvCxnSpPr>
+            <a:cxnSpLocks/>
+          </p:cNvCxnSpPr>
+          <p:nvPr/>
+        </p:nvCxnSpPr>
+        <p:spPr>
+          <a:xfrm>
+            <a:off x="344557" y="1754395"/>
+            <a:ext cx="11370365" cy="0"/>
+          </a:xfrm>
+          <a:prstGeom prst="straightConnector1">
+            <a:avLst/>
+          </a:prstGeom>
+          <a:ln w="38100">
+            <a:solidFill>
+              <a:schemeClr val="accent6">
+                <a:lumMod val="75000"/>
+              </a:schemeClr>
+            </a:solidFill>
+            <a:headEnd type="none" w="med" len="med"/>
+            <a:tailEnd type="none" w="med" len="med"/>
+          </a:ln>
+        </p:spPr>
+        <p:style>
+          <a:lnRef idx="1">
+            <a:schemeClr val="accent1"/>
+          </a:lnRef>
+          <a:fillRef idx="0">
+            <a:schemeClr val="accent1"/>
+          </a:fillRef>
+          <a:effectRef idx="0">
+            <a:schemeClr val="accent1"/>
+          </a:effectRef>
+          <a:fontRef idx="minor">
+            <a:schemeClr val="tx1"/>
+          </a:fontRef>
+        </p:style>
+      </p:cxnSp>
+      <p:cxnSp>
+        <p:nvCxnSpPr>
+          <p:cNvPr id="5" name="직선 연결선 4">
+            <a:extLst>
+              <a:ext uri="{FF2B5EF4-FFF2-40B4-BE49-F238E27FC236}">
+                <a16:creationId xmlns:a16="http://schemas.microsoft.com/office/drawing/2014/main" id="{3B5F5C8C-B83F-4937-AC53-8392D67E9750}"/>
+              </a:ext>
+            </a:extLst>
+          </p:cNvPr>
+          <p:cNvCxnSpPr>
+            <a:cxnSpLocks/>
+          </p:cNvCxnSpPr>
+          <p:nvPr/>
+        </p:nvCxnSpPr>
+        <p:spPr>
+          <a:xfrm>
+            <a:off x="742123" y="1007165"/>
+            <a:ext cx="0" cy="2292626"/>
+          </a:xfrm>
+          <a:prstGeom prst="line">
+            <a:avLst/>
+          </a:prstGeom>
+          <a:ln w="38100">
+            <a:solidFill>
+              <a:schemeClr val="accent5">
+                <a:lumMod val="40000"/>
+                <a:lumOff val="60000"/>
+              </a:schemeClr>
+            </a:solidFill>
+          </a:ln>
+        </p:spPr>
+        <p:style>
+          <a:lnRef idx="1">
+            <a:schemeClr val="accent1"/>
+          </a:lnRef>
+          <a:fillRef idx="0">
+            <a:schemeClr val="accent1"/>
+          </a:fillRef>
+          <a:effectRef idx="0">
+            <a:schemeClr val="accent1"/>
+          </a:effectRef>
+          <a:fontRef idx="minor">
+            <a:schemeClr val="tx1"/>
+          </a:fontRef>
+        </p:style>
+      </p:cxnSp>
+      <p:cxnSp>
+        <p:nvCxnSpPr>
+          <p:cNvPr id="6" name="직선 연결선 5">
+            <a:extLst>
+              <a:ext uri="{FF2B5EF4-FFF2-40B4-BE49-F238E27FC236}">
+                <a16:creationId xmlns:a16="http://schemas.microsoft.com/office/drawing/2014/main" id="{CB457062-43E3-41AE-8924-AF10F46060C8}"/>
+              </a:ext>
+            </a:extLst>
+          </p:cNvPr>
+          <p:cNvCxnSpPr>
+            <a:cxnSpLocks/>
+          </p:cNvCxnSpPr>
+          <p:nvPr/>
+        </p:nvCxnSpPr>
+        <p:spPr>
+          <a:xfrm>
+            <a:off x="11386931" y="728870"/>
+            <a:ext cx="0" cy="1606963"/>
+          </a:xfrm>
+          <a:prstGeom prst="line">
+            <a:avLst/>
+          </a:prstGeom>
+          <a:ln w="38100">
+            <a:solidFill>
+              <a:schemeClr val="accent5">
+                <a:lumMod val="40000"/>
+                <a:lumOff val="60000"/>
+              </a:schemeClr>
+            </a:solidFill>
+          </a:ln>
+        </p:spPr>
+        <p:style>
+          <a:lnRef idx="1">
+            <a:schemeClr val="accent1"/>
+          </a:lnRef>
+          <a:fillRef idx="0">
+            <a:schemeClr val="accent1"/>
+          </a:fillRef>
+          <a:effectRef idx="0">
+            <a:schemeClr val="accent1"/>
+          </a:effectRef>
+          <a:fontRef idx="minor">
+            <a:schemeClr val="tx1"/>
+          </a:fontRef>
+        </p:style>
+      </p:cxnSp>
+      <p:pic>
+        <p:nvPicPr>
+          <p:cNvPr id="8" name="그림 7">
+            <a:extLst>
+              <a:ext uri="{FF2B5EF4-FFF2-40B4-BE49-F238E27FC236}">
+                <a16:creationId xmlns:a16="http://schemas.microsoft.com/office/drawing/2014/main" id="{FBBA9685-6949-4DA6-8066-8434ECEBF1B1}"/>
+              </a:ext>
+            </a:extLst>
+          </p:cNvPr>
+          <p:cNvPicPr>
+            <a:picLocks noChangeAspect="1"/>
+          </p:cNvPicPr>
+          <p:nvPr/>
+        </p:nvPicPr>
+        <p:blipFill>
+          <a:blip r:embed="rId3"/>
+          <a:stretch>
+            <a:fillRect/>
+          </a:stretch>
+        </p:blipFill>
+        <p:spPr>
+          <a:xfrm>
+            <a:off x="1485692" y="4362863"/>
+            <a:ext cx="10162010" cy="1865658"/>
+          </a:xfrm>
+          <a:prstGeom prst="rect">
+            <a:avLst/>
+          </a:prstGeom>
+        </p:spPr>
+      </p:pic>
+    </p:spTree>
+    <p:extLst>
+      <p:ext uri="{BB962C8B-B14F-4D97-AF65-F5344CB8AC3E}">
+        <p14:creationId xmlns:p14="http://schemas.microsoft.com/office/powerpoint/2010/main" val="3040068662"/>
+      </p:ext>
+    </p:extLst>
+  </p:cSld>
+  <p:clrMapOvr>
+    <a:masterClrMapping/>
+  </p:clrMapOvr>
+</p:sld>
+</file>
+
+<file path=ppt/slides/slide27.xml><?xml version="1.0" encoding="utf-8"?>
+<p:sld xmlns:a="http://schemas.openxmlformats.org/drawingml/2006/main" xmlns:r="http://schemas.openxmlformats.org/officeDocument/2006/relationships" xmlns:p="http://schemas.openxmlformats.org/presentationml/2006/main">
+  <p:cSld>
+    <p:spTree>
+      <p:nvGrpSpPr>
+        <p:cNvPr id="1" name=""/>
+        <p:cNvGrpSpPr/>
+        <p:nvPr/>
+      </p:nvGrpSpPr>
+      <p:grpSpPr>
+        <a:xfrm>
+          <a:off x="0" y="0"/>
+          <a:ext cx="0" cy="0"/>
+          <a:chOff x="0" y="0"/>
+          <a:chExt cx="0" cy="0"/>
+        </a:xfrm>
+      </p:grpSpPr>
+      <p:sp>
+        <p:nvSpPr>
+          <p:cNvPr id="2" name="제목 1">
+            <a:extLst>
+              <a:ext uri="{FF2B5EF4-FFF2-40B4-BE49-F238E27FC236}">
+                <a16:creationId xmlns:a16="http://schemas.microsoft.com/office/drawing/2014/main" id="{1C653085-E151-445A-A66A-F6D4AF1E289C}"/>
+              </a:ext>
+            </a:extLst>
+          </p:cNvPr>
+          <p:cNvSpPr>
+            <a:spLocks noGrp="1"/>
+          </p:cNvSpPr>
+          <p:nvPr>
+            <p:ph type="title"/>
+          </p:nvPr>
+        </p:nvSpPr>
+        <p:spPr/>
+        <p:txBody>
+          <a:bodyPr/>
+          <a:lstStyle/>
+          <a:p>
+            <a:r>
+              <a:rPr lang="en-US" altLang="ko-KR" dirty="0"/>
+              <a:t>2. TCP</a:t>
+            </a:r>
+            <a:r>
+              <a:rPr lang="ko-KR" altLang="en-US" dirty="0"/>
+              <a:t>기반 서버</a:t>
+            </a:r>
+            <a:r>
+              <a:rPr lang="en-US" altLang="ko-KR" dirty="0"/>
+              <a:t>, </a:t>
+            </a:r>
+            <a:r>
+              <a:rPr lang="ko-KR" altLang="en-US" dirty="0"/>
+              <a:t>클라이언트의 구현</a:t>
+            </a:r>
+          </a:p>
+        </p:txBody>
+      </p:sp>
+      <p:sp>
+        <p:nvSpPr>
+          <p:cNvPr id="3" name="내용 개체 틀 2">
+            <a:extLst>
+              <a:ext uri="{FF2B5EF4-FFF2-40B4-BE49-F238E27FC236}">
+                <a16:creationId xmlns:a16="http://schemas.microsoft.com/office/drawing/2014/main" id="{4144B86A-7E78-44DD-B81C-A8CA2FAB0CF4}"/>
+              </a:ext>
+            </a:extLst>
+          </p:cNvPr>
+          <p:cNvSpPr>
+            <a:spLocks noGrp="1"/>
+          </p:cNvSpPr>
+          <p:nvPr>
+            <p:ph idx="1"/>
+          </p:nvPr>
+        </p:nvSpPr>
+        <p:spPr/>
+        <p:txBody>
+          <a:bodyPr/>
+          <a:lstStyle/>
+          <a:p>
+            <a:r>
+              <a:rPr lang="en-US" altLang="ko-KR" dirty="0"/>
+              <a:t>Echo </a:t>
+            </a:r>
+            <a:r>
+              <a:rPr lang="ko-KR" altLang="en-US" dirty="0"/>
               <a:t>서버 </a:t>
             </a:r>
             <a:r>
@@ -8677,7 +9225,7 @@
 </p:sld>
 </file>
 
-<file path=ppt/slides/slide26.xml><?xml version="1.0" encoding="utf-8"?>
+<file path=ppt/slides/slide28.xml><?xml version="1.0" encoding="utf-8"?>
 <p:sld xmlns:a="http://schemas.openxmlformats.org/drawingml/2006/main" xmlns:r="http://schemas.openxmlformats.org/officeDocument/2006/relationships" xmlns:p="http://schemas.openxmlformats.org/presentationml/2006/main">
   <p:cSld>
     <p:spTree>
